--- a/魏天柱-Being prepared in a sparse world_ The case of KNN graph construction.pptx
+++ b/魏天柱-Being prepared in a sparse world_ The case of KNN graph construction.pptx
@@ -245,7 +245,7 @@
           <a:p>
             <a:fld id="{75B6E363-E6B3-49EC-99B9-D71939BAE8EA}" type="datetimeFigureOut">
               <a:rPr lang="zh-CN" altLang="en-US" smtClean="0"/>
-              <a:t>2016/8/20</a:t>
+              <a:t>2016/12/9</a:t>
             </a:fld>
             <a:endParaRPr lang="zh-CN" altLang="en-US"/>
           </a:p>
@@ -411,7 +411,7 @@
           <a:p>
             <a:fld id="{390D7B70-739F-46B8-8786-37DA01C23847}" type="datetimeFigureOut">
               <a:rPr lang="zh-CN" altLang="en-US" smtClean="0"/>
-              <a:t>2016/8/20</a:t>
+              <a:t>2016/12/9</a:t>
             </a:fld>
             <a:endParaRPr lang="zh-CN" altLang="en-US"/>
           </a:p>
@@ -3141,7 +3141,7 @@
           <a:p>
             <a:fld id="{6FD1A94E-29C3-454F-85BC-CA7BA10271F7}" type="datetime1">
               <a:rPr lang="zh-CN" altLang="en-US" smtClean="0"/>
-              <a:t>2016/8/20</a:t>
+              <a:t>2016/12/9</a:t>
             </a:fld>
             <a:endParaRPr lang="zh-CN" altLang="en-US"/>
           </a:p>
@@ -3329,7 +3329,7 @@
           <a:p>
             <a:fld id="{1D976064-9E3E-4700-811A-4D057C7349A4}" type="datetime1">
               <a:rPr lang="zh-CN" altLang="en-US" smtClean="0"/>
-              <a:t>2016/8/20</a:t>
+              <a:t>2016/12/9</a:t>
             </a:fld>
             <a:endParaRPr lang="zh-CN" altLang="en-US"/>
           </a:p>
@@ -3515,7 +3515,7 @@
           <a:p>
             <a:fld id="{6062CD57-18E4-49F0-8A78-C3C18D7DC728}" type="datetime1">
               <a:rPr lang="zh-CN" altLang="en-US" smtClean="0"/>
-              <a:t>2016/8/20</a:t>
+              <a:t>2016/12/9</a:t>
             </a:fld>
             <a:endParaRPr lang="zh-CN" altLang="en-US"/>
           </a:p>
@@ -3700,7 +3700,7 @@
           <a:p>
             <a:fld id="{57D39399-92B4-4571-BDCB-27A5BFF08CB2}" type="datetime1">
               <a:rPr lang="zh-CN" altLang="en-US" smtClean="0"/>
-              <a:t>2016/8/20</a:t>
+              <a:t>2016/12/9</a:t>
             </a:fld>
             <a:endParaRPr lang="zh-CN" altLang="en-US"/>
           </a:p>
@@ -3960,7 +3960,7 @@
           <a:p>
             <a:fld id="{4D6A6F44-F764-4EE5-8535-B85AEF82D2B0}" type="datetime1">
               <a:rPr lang="zh-CN" altLang="en-US" smtClean="0"/>
-              <a:t>2016/8/20</a:t>
+              <a:t>2016/12/9</a:t>
             </a:fld>
             <a:endParaRPr lang="zh-CN" altLang="en-US"/>
           </a:p>
@@ -4209,7 +4209,7 @@
           <a:p>
             <a:fld id="{E4E7DD9F-B7BE-4320-A2BD-444FF0DF3FCC}" type="datetime1">
               <a:rPr lang="zh-CN" altLang="en-US" smtClean="0"/>
-              <a:t>2016/8/20</a:t>
+              <a:t>2016/12/9</a:t>
             </a:fld>
             <a:endParaRPr lang="zh-CN" altLang="en-US"/>
           </a:p>
@@ -4581,7 +4581,7 @@
           <a:p>
             <a:fld id="{B7063637-8107-4C9B-8F6B-04B5A708C9F2}" type="datetime1">
               <a:rPr lang="zh-CN" altLang="en-US" smtClean="0"/>
-              <a:t>2016/8/20</a:t>
+              <a:t>2016/12/9</a:t>
             </a:fld>
             <a:endParaRPr lang="zh-CN" altLang="en-US"/>
           </a:p>
@@ -4706,7 +4706,7 @@
           <a:p>
             <a:fld id="{503E22C7-AB31-4B8F-A8D6-D5ECA1AA8A06}" type="datetime1">
               <a:rPr lang="zh-CN" altLang="en-US" smtClean="0"/>
-              <a:t>2016/8/20</a:t>
+              <a:t>2016/12/9</a:t>
             </a:fld>
             <a:endParaRPr lang="zh-CN" altLang="en-US"/>
           </a:p>
@@ -4809,7 +4809,7 @@
           <a:p>
             <a:fld id="{D163C656-1794-4DAC-ABC4-E978AD5F4875}" type="datetime1">
               <a:rPr lang="zh-CN" altLang="en-US" smtClean="0"/>
-              <a:t>2016/8/20</a:t>
+              <a:t>2016/12/9</a:t>
             </a:fld>
             <a:endParaRPr lang="zh-CN" altLang="en-US"/>
           </a:p>
@@ -5120,7 +5120,7 @@
           <a:p>
             <a:fld id="{94337988-29AB-4999-BB53-BADEC9BDD233}" type="datetime1">
               <a:rPr lang="zh-CN" altLang="en-US" smtClean="0"/>
-              <a:t>2016/8/20</a:t>
+              <a:t>2016/12/9</a:t>
             </a:fld>
             <a:endParaRPr lang="zh-CN" altLang="en-US"/>
           </a:p>
@@ -5395,7 +5395,7 @@
           <a:p>
             <a:fld id="{01AE90A1-A9A1-4D9F-93D6-B9ABA8E7D0F7}" type="datetime1">
               <a:rPr lang="zh-CN" altLang="en-US" smtClean="0"/>
-              <a:t>2016/8/20</a:t>
+              <a:t>2016/12/9</a:t>
             </a:fld>
             <a:endParaRPr lang="zh-CN" altLang="en-US"/>
           </a:p>
@@ -5470,8 +5470,8 @@
     <p:bg>
       <p:bgPr>
         <a:solidFill>
-          <a:schemeClr val="bg1">
-            <a:lumMod val="95000"/>
+          <a:schemeClr val="bg2">
+            <a:lumMod val="90000"/>
           </a:schemeClr>
         </a:solidFill>
         <a:effectLst/>
@@ -5619,7 +5619,7 @@
           <a:p>
             <a:fld id="{3D0163BF-2C63-4F39-A5DD-CB3567EE2F63}" type="datetime1">
               <a:rPr lang="zh-CN" altLang="en-US" smtClean="0"/>
-              <a:t>2016/8/20</a:t>
+              <a:t>2016/12/9</a:t>
             </a:fld>
             <a:endParaRPr lang="zh-CN" altLang="en-US"/>
           </a:p>
@@ -6937,7 +6937,7 @@
               </a:spcAft>
             </a:pPr>
             <a:r>
-              <a:rPr lang="en-US" altLang="zh-CN" sz="2000" smtClean="0"/>
+              <a:rPr lang="en-US" altLang="zh-CN" sz="2000" dirty="0" smtClean="0"/>
               <a:t>2016/8/20</a:t>
             </a:r>
             <a:endParaRPr lang="zh-CN" altLang="en-US" sz="2000" dirty="0"/>
@@ -21049,16 +21049,6 @@
 <file path=ppt/slides/slide21.xml><?xml version="1.0" encoding="utf-8"?>
 <p:sld xmlns:a="http://schemas.openxmlformats.org/drawingml/2006/main" xmlns:r="http://schemas.openxmlformats.org/officeDocument/2006/relationships" xmlns:p="http://schemas.openxmlformats.org/presentationml/2006/main">
   <p:cSld>
-    <p:bg>
-      <p:bgPr>
-        <a:solidFill>
-          <a:schemeClr val="bg1">
-            <a:lumMod val="95000"/>
-          </a:schemeClr>
-        </a:solidFill>
-        <a:effectLst/>
-      </p:bgPr>
-    </p:bg>
     <p:spTree>
       <p:nvGrpSpPr>
         <p:cNvPr id="1" name=""/>
